--- a/MLOps/30 - Практика. Автоматическая валидация./Model_validation.pptx
+++ b/MLOps/30 - Практика. Автоматическая валидация./Model_validation.pptx
@@ -19665,7 +19665,7 @@
         <p:spPr>
           <a:xfrm>
             <a:off x="500550" y="1575703"/>
-            <a:ext cx="5517857" cy="307777"/>
+            <a:ext cx="5290231" cy="307777"/>
           </a:xfrm>
           <a:prstGeom prst="rect">
             <a:avLst/>
@@ -19703,25 +19703,7 @@
                 </a:solidFill>
                 <a:latin typeface="Google Sans"/>
               </a:rPr>
-              <a:t>07</a:t>
-            </a:r>
-            <a:r>
-              <a:rPr lang="ru-RU" dirty="0">
-                <a:solidFill>
-                  <a:srgbClr val="1F1F1F"/>
-                </a:solidFill>
-                <a:latin typeface="Google Sans"/>
-              </a:rPr>
-              <a:t>.2</a:t>
-            </a:r>
-            <a:r>
-              <a:rPr lang="en-US" dirty="0">
-                <a:solidFill>
-                  <a:srgbClr val="1F1F1F"/>
-                </a:solidFill>
-                <a:latin typeface="Google Sans"/>
-              </a:rPr>
-              <a:t>4</a:t>
+              <a:t>10</a:t>
             </a:r>
             <a:r>
               <a:rPr lang="ru-RU" dirty="0">
@@ -20620,7 +20602,7 @@
         <p:spPr>
           <a:xfrm>
             <a:off x="1654525" y="2049300"/>
-            <a:ext cx="2475300" cy="877200"/>
+            <a:ext cx="2475300" cy="646300"/>
           </a:xfrm>
           <a:prstGeom prst="rect">
             <a:avLst/>
@@ -20646,7 +20628,7 @@
               <a:buNone/>
             </a:pPr>
             <a:r>
-              <a:rPr lang="ru" sz="1500">
+              <a:rPr lang="ru" sz="1500" dirty="0">
                 <a:latin typeface="Roboto"/>
                 <a:ea typeface="Roboto"/>
                 <a:cs typeface="Roboto"/>
@@ -20654,7 +20636,7 @@
               </a:rPr>
               <a:t>Off-topic обсуждаем</a:t>
             </a:r>
-            <a:endParaRPr sz="1500">
+            <a:endParaRPr sz="1500" dirty="0">
               <a:latin typeface="Roboto"/>
               <a:ea typeface="Roboto"/>
               <a:cs typeface="Roboto"/>
@@ -20672,7 +20654,7 @@
               <a:buNone/>
             </a:pPr>
             <a:r>
-              <a:rPr lang="ru" sz="1500">
+              <a:rPr lang="ru" sz="1500" dirty="0">
                 <a:latin typeface="Roboto"/>
                 <a:ea typeface="Roboto"/>
                 <a:cs typeface="Roboto"/>
@@ -20680,42 +20662,7 @@
               </a:rPr>
               <a:t>в учебной группе </a:t>
             </a:r>
-            <a:endParaRPr sz="1500">
-              <a:latin typeface="Roboto"/>
-              <a:ea typeface="Roboto"/>
-              <a:cs typeface="Roboto"/>
-              <a:sym typeface="Roboto"/>
-            </a:endParaRPr>
-          </a:p>
-          <a:p>
-            <a:pPr marL="0" lvl="0" indent="0" algn="l" rtl="0">
-              <a:spcBef>
-                <a:spcPts val="0"/>
-              </a:spcBef>
-              <a:spcAft>
-                <a:spcPts val="0"/>
-              </a:spcAft>
-              <a:buNone/>
-            </a:pPr>
-            <a:r>
-              <a:rPr lang="ru" sz="1500">
-                <a:latin typeface="Roboto"/>
-                <a:ea typeface="Roboto"/>
-                <a:cs typeface="Roboto"/>
-                <a:sym typeface="Roboto"/>
-              </a:rPr>
-              <a:t>#</a:t>
-            </a:r>
-            <a:r>
-              <a:rPr lang="ru" sz="1500" b="1">
-                <a:latin typeface="Roboto"/>
-                <a:ea typeface="Roboto"/>
-                <a:cs typeface="Roboto"/>
-                <a:sym typeface="Roboto"/>
-              </a:rPr>
-              <a:t>канал группы</a:t>
-            </a:r>
-            <a:endParaRPr sz="1500">
+            <a:endParaRPr sz="1500" dirty="0">
               <a:latin typeface="Roboto"/>
               <a:ea typeface="Roboto"/>
               <a:cs typeface="Roboto"/>
